--- a/week09/ppt/빅데이터 처리 9주차-과제.pptx
+++ b/week09/ppt/빅데이터 처리 9주차-과제.pptx
@@ -5589,7 +5589,7 @@
           <p:nvPr>
             <p:extLst>
               <p:ext uri="{D42A27DB-BD31-4B8C-83A1-F6EECF244321}">
-                <p14:modId xmlns:p14="http://schemas.microsoft.com/office/powerpoint/2010/main" val="1277173540"/>
+                <p14:modId xmlns:p14="http://schemas.microsoft.com/office/powerpoint/2010/main" val="2159637527"/>
               </p:ext>
             </p:extLst>
           </p:nvPr>
@@ -5782,7 +5782,11 @@
                     <a:lstStyle/>
                     <a:p>
                       <a:pPr latinLnBrk="1"/>
-                      <a:endParaRPr lang="ko-KR" altLang="en-US"/>
+                      <a:r>
+                        <a:rPr lang="en-US" altLang="ko-KR" dirty="0"/>
+                        <a:t>0.22682656177150057</a:t>
+                      </a:r>
+                      <a:endParaRPr lang="ko-KR" altLang="en-US" dirty="0"/>
                     </a:p>
                   </a:txBody>
                   <a:tcPr/>
@@ -5932,6 +5936,17 @@
                     <a:lstStyle/>
                     <a:p>
                       <a:pPr latinLnBrk="1"/>
+                      <a:r>
+                        <a:rPr lang="en-US" altLang="ko-KR" dirty="0"/>
+                        <a:t>{'kernel': 'linear'}</a:t>
+                      </a:r>
+                    </a:p>
+                    <a:p>
+                      <a:pPr latinLnBrk="1"/>
+                      <a:r>
+                        <a:rPr lang="en-US" altLang="ko-KR" dirty="0"/>
+                        <a:t>0.23990851841653696</a:t>
+                      </a:r>
                       <a:endParaRPr lang="ko-KR" altLang="en-US" dirty="0"/>
                     </a:p>
                   </a:txBody>
@@ -5943,7 +5958,7 @@
                     <a:lstStyle/>
                     <a:p>
                       <a:pPr latinLnBrk="1"/>
-                      <a:endParaRPr lang="ko-KR" altLang="en-US"/>
+                      <a:endParaRPr lang="ko-KR" altLang="en-US" dirty="0"/>
                     </a:p>
                   </a:txBody>
                   <a:tcPr/>
@@ -7470,6 +7485,12 @@
 </file>
 
 <file path=customXml/item2.xml><?xml version="1.0" encoding="utf-8"?>
+<p:properties xmlns:p="http://schemas.microsoft.com/office/2006/metadata/properties" xmlns:xsi="http://www.w3.org/2001/XMLSchema-instance" xmlns:pc="http://schemas.microsoft.com/office/infopath/2007/PartnerControls">
+  <documentManagement/>
+</p:properties>
+</file>
+
+<file path=customXml/item3.xml><?xml version="1.0" encoding="utf-8"?>
 <ct:contentTypeSchema xmlns:ct="http://schemas.microsoft.com/office/2006/metadata/contentType" xmlns:ma="http://schemas.microsoft.com/office/2006/metadata/properties/metaAttributes" ct:_="" ma:_="" ma:contentTypeName="문서" ma:contentTypeID="0x010100A30DF9F47E88B047A0695E9C3DC9F515" ma:contentTypeVersion="0" ma:contentTypeDescription="새 문서를 만듭니다." ma:contentTypeScope="" ma:versionID="47b515163c9168915aada08129117832">
   <xsd:schema xmlns:xsd="http://www.w3.org/2001/XMLSchema" xmlns:xs="http://www.w3.org/2001/XMLSchema" xmlns:p="http://schemas.microsoft.com/office/2006/metadata/properties" targetNamespace="http://schemas.microsoft.com/office/2006/metadata/properties" ma:root="true" ma:fieldsID="98509c16e2068e4d5d0612c501c19757">
     <xsd:element name="properties">
@@ -7583,12 +7604,6 @@
 </ct:contentTypeSchema>
 </file>
 
-<file path=customXml/item3.xml><?xml version="1.0" encoding="utf-8"?>
-<p:properties xmlns:p="http://schemas.microsoft.com/office/2006/metadata/properties" xmlns:xsi="http://www.w3.org/2001/XMLSchema-instance" xmlns:pc="http://schemas.microsoft.com/office/infopath/2007/PartnerControls">
-  <documentManagement/>
-</p:properties>
-</file>
-
 <file path=customXml/itemProps1.xml><?xml version="1.0" encoding="utf-8"?>
 <ds:datastoreItem xmlns:ds="http://schemas.openxmlformats.org/officeDocument/2006/customXml" ds:itemID="{DD0C208C-AED1-4440-9261-53183403D2B4}">
   <ds:schemaRefs>
@@ -7598,6 +7613,21 @@
 </file>
 
 <file path=customXml/itemProps2.xml><?xml version="1.0" encoding="utf-8"?>
+<ds:datastoreItem xmlns:ds="http://schemas.openxmlformats.org/officeDocument/2006/customXml" ds:itemID="{BDD8169E-24A0-4D43-A686-0BE92F93E254}">
+  <ds:schemaRefs>
+    <ds:schemaRef ds:uri="http://schemas.openxmlformats.org/package/2006/metadata/core-properties"/>
+    <ds:schemaRef ds:uri="http://www.w3.org/XML/1998/namespace"/>
+    <ds:schemaRef ds:uri="http://schemas.microsoft.com/office/infopath/2007/PartnerControls"/>
+    <ds:schemaRef ds:uri="http://purl.org/dc/terms/"/>
+    <ds:schemaRef ds:uri="http://purl.org/dc/dcmitype/"/>
+    <ds:schemaRef ds:uri="http://schemas.microsoft.com/office/2006/documentManagement/types"/>
+    <ds:schemaRef ds:uri="http://schemas.microsoft.com/office/2006/metadata/properties"/>
+    <ds:schemaRef ds:uri="http://purl.org/dc/elements/1.1/"/>
+  </ds:schemaRefs>
+</ds:datastoreItem>
+</file>
+
+<file path=customXml/itemProps3.xml><?xml version="1.0" encoding="utf-8"?>
 <ds:datastoreItem xmlns:ds="http://schemas.openxmlformats.org/officeDocument/2006/customXml" ds:itemID="{F562EBFE-E179-4536-9B4A-59F3E0187A3A}">
   <ds:schemaRefs>
     <ds:schemaRef ds:uri="http://schemas.microsoft.com/office/2006/metadata/contentType"/>
@@ -7611,19 +7641,4 @@
     <ds:schemaRef ds:uri="http://schemas.microsoft.com/office/infopath/2007/PartnerControls"/>
   </ds:schemaRefs>
 </ds:datastoreItem>
-</file>
-
-<file path=customXml/itemProps3.xml><?xml version="1.0" encoding="utf-8"?>
-<ds:datastoreItem xmlns:ds="http://schemas.openxmlformats.org/officeDocument/2006/customXml" ds:itemID="{BDD8169E-24A0-4D43-A686-0BE92F93E254}">
-  <ds:schemaRefs>
-    <ds:schemaRef ds:uri="http://schemas.openxmlformats.org/package/2006/metadata/core-properties"/>
-    <ds:schemaRef ds:uri="http://www.w3.org/XML/1998/namespace"/>
-    <ds:schemaRef ds:uri="http://schemas.microsoft.com/office/infopath/2007/PartnerControls"/>
-    <ds:schemaRef ds:uri="http://purl.org/dc/terms/"/>
-    <ds:schemaRef ds:uri="http://purl.org/dc/dcmitype/"/>
-    <ds:schemaRef ds:uri="http://schemas.microsoft.com/office/2006/documentManagement/types"/>
-    <ds:schemaRef ds:uri="http://schemas.microsoft.com/office/2006/metadata/properties"/>
-    <ds:schemaRef ds:uri="http://purl.org/dc/elements/1.1/"/>
-  </ds:schemaRefs>
-</ds:datastoreItem>
 </file>
--- a/week09/ppt/빅데이터 처리 9주차-과제.pptx
+++ b/week09/ppt/빅데이터 처리 9주차-과제.pptx
@@ -224,7 +224,7 @@
           <a:p>
             <a:fld id="{FECD3F2D-B298-4016-85B1-BB2530E7716A}" type="datetimeFigureOut">
               <a:rPr lang="ko-KR" altLang="en-US" smtClean="0"/>
-              <a:t>2022-10-24</a:t>
+              <a:t>2022-10-25</a:t>
             </a:fld>
             <a:endParaRPr lang="ko-KR" altLang="en-US"/>
           </a:p>
@@ -892,7 +892,7 @@
           <a:p>
             <a:fld id="{47B35DDC-0405-4797-B668-D110A127F671}" type="datetimeFigureOut">
               <a:rPr lang="ko-KR" altLang="en-US" smtClean="0"/>
-              <a:t>2022-10-24</a:t>
+              <a:t>2022-10-25</a:t>
             </a:fld>
             <a:endParaRPr lang="ko-KR" altLang="en-US"/>
           </a:p>
@@ -1130,7 +1130,7 @@
           <a:p>
             <a:fld id="{47B35DDC-0405-4797-B668-D110A127F671}" type="datetimeFigureOut">
               <a:rPr lang="ko-KR" altLang="en-US" smtClean="0"/>
-              <a:t>2022-10-24</a:t>
+              <a:t>2022-10-25</a:t>
             </a:fld>
             <a:endParaRPr lang="ko-KR" altLang="en-US"/>
           </a:p>
@@ -1324,7 +1324,7 @@
           <a:p>
             <a:fld id="{47B35DDC-0405-4797-B668-D110A127F671}" type="datetimeFigureOut">
               <a:rPr lang="ko-KR" altLang="en-US" smtClean="0"/>
-              <a:t>2022-10-24</a:t>
+              <a:t>2022-10-25</a:t>
             </a:fld>
             <a:endParaRPr lang="ko-KR" altLang="en-US"/>
           </a:p>
@@ -3117,7 +3117,7 @@
           <a:p>
             <a:fld id="{47B35DDC-0405-4797-B668-D110A127F671}" type="datetimeFigureOut">
               <a:rPr lang="ko-KR" altLang="en-US" smtClean="0"/>
-              <a:t>2022-10-24</a:t>
+              <a:t>2022-10-25</a:t>
             </a:fld>
             <a:endParaRPr lang="ko-KR" altLang="en-US"/>
           </a:p>
@@ -3551,7 +3551,7 @@
           <a:p>
             <a:fld id="{47B35DDC-0405-4797-B668-D110A127F671}" type="datetimeFigureOut">
               <a:rPr lang="ko-KR" altLang="en-US" smtClean="0"/>
-              <a:t>2022-10-24</a:t>
+              <a:t>2022-10-25</a:t>
             </a:fld>
             <a:endParaRPr lang="ko-KR" altLang="en-US"/>
           </a:p>
@@ -3738,7 +3738,7 @@
           <a:p>
             <a:fld id="{47B35DDC-0405-4797-B668-D110A127F671}" type="datetimeFigureOut">
               <a:rPr lang="ko-KR" altLang="en-US" smtClean="0"/>
-              <a:t>2022-10-24</a:t>
+              <a:t>2022-10-25</a:t>
             </a:fld>
             <a:endParaRPr lang="ko-KR" altLang="en-US"/>
           </a:p>
@@ -3903,7 +3903,7 @@
           <a:p>
             <a:fld id="{47B35DDC-0405-4797-B668-D110A127F671}" type="datetimeFigureOut">
               <a:rPr lang="ko-KR" altLang="en-US" smtClean="0"/>
-              <a:t>2022-10-24</a:t>
+              <a:t>2022-10-25</a:t>
             </a:fld>
             <a:endParaRPr lang="ko-KR" altLang="en-US"/>
           </a:p>
@@ -4248,7 +4248,7 @@
           <a:p>
             <a:fld id="{47B35DDC-0405-4797-B668-D110A127F671}" type="datetimeFigureOut">
               <a:rPr lang="ko-KR" altLang="en-US" smtClean="0"/>
-              <a:t>2022-10-24</a:t>
+              <a:t>2022-10-25</a:t>
             </a:fld>
             <a:endParaRPr lang="ko-KR" altLang="en-US"/>
           </a:p>
@@ -5589,7 +5589,7 @@
           <p:nvPr>
             <p:extLst>
               <p:ext uri="{D42A27DB-BD31-4B8C-83A1-F6EECF244321}">
-                <p14:modId xmlns:p14="http://schemas.microsoft.com/office/powerpoint/2010/main" val="1277173540"/>
+                <p14:modId xmlns:p14="http://schemas.microsoft.com/office/powerpoint/2010/main" val="3137005960"/>
               </p:ext>
             </p:extLst>
           </p:nvPr>
@@ -5782,7 +5782,11 @@
                     <a:lstStyle/>
                     <a:p>
                       <a:pPr latinLnBrk="1"/>
-                      <a:endParaRPr lang="ko-KR" altLang="en-US"/>
+                      <a:r>
+                        <a:rPr lang="en-US" altLang="ko-KR" dirty="0"/>
+                        <a:t>0.22682656177150057</a:t>
+                      </a:r>
+                      <a:endParaRPr lang="ko-KR" altLang="en-US" dirty="0"/>
                     </a:p>
                   </a:txBody>
                   <a:tcPr/>
@@ -5932,6 +5936,24 @@
                     <a:lstStyle/>
                     <a:p>
                       <a:pPr latinLnBrk="1"/>
+                      <a:r>
+                        <a:rPr lang="en-US" altLang="ko-KR" dirty="0"/>
+                        <a:t>{'kernel': 'linear'}</a:t>
+                      </a:r>
+                    </a:p>
+                    <a:p>
+                      <a:pPr latinLnBrk="1"/>
+                      <a:r>
+                        <a:rPr lang="en-US" altLang="ko-KR" dirty="0"/>
+                        <a:t>0.23990851841653696</a:t>
+                      </a:r>
+                    </a:p>
+                    <a:p>
+                      <a:pPr latinLnBrk="1"/>
+                      <a:r>
+                        <a:rPr lang="en-US" altLang="ko-KR"/>
+                        <a:t>accuracy:  0.2121201456538982</a:t>
+                      </a:r>
                       <a:endParaRPr lang="ko-KR" altLang="en-US" dirty="0"/>
                     </a:p>
                   </a:txBody>
@@ -7461,12 +7483,9 @@
 </file>
 
 <file path=customXml/item1.xml><?xml version="1.0" encoding="utf-8"?>
-<?mso-contentType ?>
-<FormTemplates xmlns="http://schemas.microsoft.com/sharepoint/v3/contenttype/forms">
-  <Display>DocumentLibraryForm</Display>
-  <Edit>DocumentLibraryForm</Edit>
-  <New>DocumentLibraryForm</New>
-</FormTemplates>
+<p:properties xmlns:p="http://schemas.microsoft.com/office/2006/metadata/properties" xmlns:xsi="http://www.w3.org/2001/XMLSchema-instance" xmlns:pc="http://schemas.microsoft.com/office/infopath/2007/PartnerControls">
+  <documentManagement/>
+</p:properties>
 </file>
 
 <file path=customXml/item2.xml><?xml version="1.0" encoding="utf-8"?>
@@ -7584,15 +7603,25 @@
 </file>
 
 <file path=customXml/item3.xml><?xml version="1.0" encoding="utf-8"?>
-<p:properties xmlns:p="http://schemas.microsoft.com/office/2006/metadata/properties" xmlns:xsi="http://www.w3.org/2001/XMLSchema-instance" xmlns:pc="http://schemas.microsoft.com/office/infopath/2007/PartnerControls">
-  <documentManagement/>
-</p:properties>
+<?mso-contentType ?>
+<FormTemplates xmlns="http://schemas.microsoft.com/sharepoint/v3/contenttype/forms">
+  <Display>DocumentLibraryForm</Display>
+  <Edit>DocumentLibraryForm</Edit>
+  <New>DocumentLibraryForm</New>
+</FormTemplates>
 </file>
 
 <file path=customXml/itemProps1.xml><?xml version="1.0" encoding="utf-8"?>
-<ds:datastoreItem xmlns:ds="http://schemas.openxmlformats.org/officeDocument/2006/customXml" ds:itemID="{DD0C208C-AED1-4440-9261-53183403D2B4}">
+<ds:datastoreItem xmlns:ds="http://schemas.openxmlformats.org/officeDocument/2006/customXml" ds:itemID="{BDD8169E-24A0-4D43-A686-0BE92F93E254}">
   <ds:schemaRefs>
-    <ds:schemaRef ds:uri="http://schemas.microsoft.com/sharepoint/v3/contenttype/forms"/>
+    <ds:schemaRef ds:uri="http://schemas.openxmlformats.org/package/2006/metadata/core-properties"/>
+    <ds:schemaRef ds:uri="http://www.w3.org/XML/1998/namespace"/>
+    <ds:schemaRef ds:uri="http://schemas.microsoft.com/office/infopath/2007/PartnerControls"/>
+    <ds:schemaRef ds:uri="http://purl.org/dc/terms/"/>
+    <ds:schemaRef ds:uri="http://purl.org/dc/dcmitype/"/>
+    <ds:schemaRef ds:uri="http://schemas.microsoft.com/office/2006/documentManagement/types"/>
+    <ds:schemaRef ds:uri="http://schemas.microsoft.com/office/2006/metadata/properties"/>
+    <ds:schemaRef ds:uri="http://purl.org/dc/elements/1.1/"/>
   </ds:schemaRefs>
 </ds:datastoreItem>
 </file>
@@ -7614,16 +7643,9 @@
 </file>
 
 <file path=customXml/itemProps3.xml><?xml version="1.0" encoding="utf-8"?>
-<ds:datastoreItem xmlns:ds="http://schemas.openxmlformats.org/officeDocument/2006/customXml" ds:itemID="{BDD8169E-24A0-4D43-A686-0BE92F93E254}">
+<ds:datastoreItem xmlns:ds="http://schemas.openxmlformats.org/officeDocument/2006/customXml" ds:itemID="{DD0C208C-AED1-4440-9261-53183403D2B4}">
   <ds:schemaRefs>
-    <ds:schemaRef ds:uri="http://schemas.openxmlformats.org/package/2006/metadata/core-properties"/>
-    <ds:schemaRef ds:uri="http://www.w3.org/XML/1998/namespace"/>
-    <ds:schemaRef ds:uri="http://schemas.microsoft.com/office/infopath/2007/PartnerControls"/>
-    <ds:schemaRef ds:uri="http://purl.org/dc/terms/"/>
-    <ds:schemaRef ds:uri="http://purl.org/dc/dcmitype/"/>
-    <ds:schemaRef ds:uri="http://schemas.microsoft.com/office/2006/documentManagement/types"/>
-    <ds:schemaRef ds:uri="http://schemas.microsoft.com/office/2006/metadata/properties"/>
-    <ds:schemaRef ds:uri="http://purl.org/dc/elements/1.1/"/>
+    <ds:schemaRef ds:uri="http://schemas.microsoft.com/sharepoint/v3/contenttype/forms"/>
   </ds:schemaRefs>
 </ds:datastoreItem>
 </file>
--- a/week09/ppt/빅데이터 처리 9주차-과제.pptx
+++ b/week09/ppt/빅데이터 처리 9주차-과제.pptx
@@ -224,7 +224,7 @@
           <a:p>
             <a:fld id="{FECD3F2D-B298-4016-85B1-BB2530E7716A}" type="datetimeFigureOut">
               <a:rPr lang="ko-KR" altLang="en-US" smtClean="0"/>
-              <a:t>2022-10-24</a:t>
+              <a:t>2022-10-31</a:t>
             </a:fld>
             <a:endParaRPr lang="ko-KR" altLang="en-US"/>
           </a:p>
@@ -892,7 +892,7 @@
           <a:p>
             <a:fld id="{47B35DDC-0405-4797-B668-D110A127F671}" type="datetimeFigureOut">
               <a:rPr lang="ko-KR" altLang="en-US" smtClean="0"/>
-              <a:t>2022-10-24</a:t>
+              <a:t>2022-10-31</a:t>
             </a:fld>
             <a:endParaRPr lang="ko-KR" altLang="en-US"/>
           </a:p>
@@ -1130,7 +1130,7 @@
           <a:p>
             <a:fld id="{47B35DDC-0405-4797-B668-D110A127F671}" type="datetimeFigureOut">
               <a:rPr lang="ko-KR" altLang="en-US" smtClean="0"/>
-              <a:t>2022-10-24</a:t>
+              <a:t>2022-10-31</a:t>
             </a:fld>
             <a:endParaRPr lang="ko-KR" altLang="en-US"/>
           </a:p>
@@ -1324,7 +1324,7 @@
           <a:p>
             <a:fld id="{47B35DDC-0405-4797-B668-D110A127F671}" type="datetimeFigureOut">
               <a:rPr lang="ko-KR" altLang="en-US" smtClean="0"/>
-              <a:t>2022-10-24</a:t>
+              <a:t>2022-10-31</a:t>
             </a:fld>
             <a:endParaRPr lang="ko-KR" altLang="en-US"/>
           </a:p>
@@ -3117,7 +3117,7 @@
           <a:p>
             <a:fld id="{47B35DDC-0405-4797-B668-D110A127F671}" type="datetimeFigureOut">
               <a:rPr lang="ko-KR" altLang="en-US" smtClean="0"/>
-              <a:t>2022-10-24</a:t>
+              <a:t>2022-10-31</a:t>
             </a:fld>
             <a:endParaRPr lang="ko-KR" altLang="en-US"/>
           </a:p>
@@ -3551,7 +3551,7 @@
           <a:p>
             <a:fld id="{47B35DDC-0405-4797-B668-D110A127F671}" type="datetimeFigureOut">
               <a:rPr lang="ko-KR" altLang="en-US" smtClean="0"/>
-              <a:t>2022-10-24</a:t>
+              <a:t>2022-10-31</a:t>
             </a:fld>
             <a:endParaRPr lang="ko-KR" altLang="en-US"/>
           </a:p>
@@ -3738,7 +3738,7 @@
           <a:p>
             <a:fld id="{47B35DDC-0405-4797-B668-D110A127F671}" type="datetimeFigureOut">
               <a:rPr lang="ko-KR" altLang="en-US" smtClean="0"/>
-              <a:t>2022-10-24</a:t>
+              <a:t>2022-10-31</a:t>
             </a:fld>
             <a:endParaRPr lang="ko-KR" altLang="en-US"/>
           </a:p>
@@ -3903,7 +3903,7 @@
           <a:p>
             <a:fld id="{47B35DDC-0405-4797-B668-D110A127F671}" type="datetimeFigureOut">
               <a:rPr lang="ko-KR" altLang="en-US" smtClean="0"/>
-              <a:t>2022-10-24</a:t>
+              <a:t>2022-10-31</a:t>
             </a:fld>
             <a:endParaRPr lang="ko-KR" altLang="en-US"/>
           </a:p>
@@ -4248,7 +4248,7 @@
           <a:p>
             <a:fld id="{47B35DDC-0405-4797-B668-D110A127F671}" type="datetimeFigureOut">
               <a:rPr lang="ko-KR" altLang="en-US" smtClean="0"/>
-              <a:t>2022-10-24</a:t>
+              <a:t>2022-10-31</a:t>
             </a:fld>
             <a:endParaRPr lang="ko-KR" altLang="en-US"/>
           </a:p>
@@ -5589,7 +5589,7 @@
           <p:nvPr>
             <p:extLst>
               <p:ext uri="{D42A27DB-BD31-4B8C-83A1-F6EECF244321}">
-                <p14:modId xmlns:p14="http://schemas.microsoft.com/office/powerpoint/2010/main" val="2159637527"/>
+                <p14:modId xmlns:p14="http://schemas.microsoft.com/office/powerpoint/2010/main" val="2880552457"/>
               </p:ext>
             </p:extLst>
           </p:nvPr>
@@ -5687,7 +5687,7 @@
                       <a:pPr latinLnBrk="1"/>
                       <a:r>
                         <a:rPr lang="en-US" altLang="ko-KR" dirty="0"/>
-                        <a:t>SVR</a:t>
+                        <a:t>SVC</a:t>
                       </a:r>
                       <a:endParaRPr lang="ko-KR" altLang="en-US" dirty="0"/>
                     </a:p>
@@ -5797,7 +5797,10 @@
                     <a:lstStyle/>
                     <a:p>
                       <a:pPr latinLnBrk="1"/>
-                      <a:endParaRPr lang="ko-KR" altLang="en-US"/>
+                      <a:r>
+                        <a:rPr lang="en-US" altLang="ko-KR" dirty="0"/>
+                        <a:t>0.7526525761819879</a:t>
+                      </a:r>
                     </a:p>
                   </a:txBody>
                   <a:tcPr/>
@@ -5808,6 +5811,10 @@
                     <a:lstStyle/>
                     <a:p>
                       <a:pPr latinLnBrk="1"/>
+                      <a:r>
+                        <a:rPr lang="en-US" altLang="ko-KR" dirty="0"/>
+                        <a:t>0.7474492827434004</a:t>
+                      </a:r>
                       <a:endParaRPr lang="ko-KR" altLang="en-US" dirty="0"/>
                     </a:p>
                   </a:txBody>
@@ -5819,6 +5826,10 @@
                     <a:lstStyle/>
                     <a:p>
                       <a:pPr latinLnBrk="1"/>
+                      <a:r>
+                        <a:rPr lang="en-US" altLang="ko-KR" dirty="0"/>
+                        <a:t>0.7604787369493252</a:t>
+                      </a:r>
                       <a:endParaRPr lang="ko-KR" altLang="en-US" dirty="0"/>
                     </a:p>
                   </a:txBody>
@@ -5958,6 +5969,41 @@
                     <a:lstStyle/>
                     <a:p>
                       <a:pPr latinLnBrk="1"/>
+                      <a:r>
+                        <a:rPr lang="en-US" altLang="ko-KR" dirty="0"/>
+                        <a:t>'</a:t>
+                      </a:r>
+                      <a:r>
+                        <a:rPr lang="en-US" altLang="ko-KR" dirty="0" err="1"/>
+                        <a:t>learning_rate</a:t>
+                      </a:r>
+                      <a:r>
+                        <a:rPr lang="en-US" altLang="ko-KR" dirty="0"/>
+                        <a:t>': 0.15000000000000002, '</a:t>
+                      </a:r>
+                      <a:r>
+                        <a:rPr lang="en-US" altLang="ko-KR" dirty="0" err="1"/>
+                        <a:t>max_depth</a:t>
+                      </a:r>
+                      <a:r>
+                        <a:rPr lang="en-US" altLang="ko-KR" dirty="0"/>
+                        <a:t>': 2, '</a:t>
+                      </a:r>
+                      <a:r>
+                        <a:rPr lang="en-US" altLang="ko-KR" dirty="0" err="1"/>
+                        <a:t>n_estimators</a:t>
+                      </a:r>
+                      <a:r>
+                        <a:rPr lang="en-US" altLang="ko-KR" dirty="0"/>
+                        <a:t>': 99</a:t>
+                      </a:r>
+                    </a:p>
+                    <a:p>
+                      <a:pPr latinLnBrk="1"/>
+                      <a:r>
+                        <a:rPr lang="en-US" altLang="ko-KR" dirty="0"/>
+                        <a:t>accuracy: 0.743612596553773</a:t>
+                      </a:r>
                       <a:endParaRPr lang="ko-KR" altLang="en-US" dirty="0"/>
                     </a:p>
                   </a:txBody>
@@ -5969,6 +6015,41 @@
                     <a:lstStyle/>
                     <a:p>
                       <a:pPr latinLnBrk="1"/>
+                      <a:r>
+                        <a:rPr lang="en-US" altLang="ko-KR" dirty="0"/>
+                        <a:t>'</a:t>
+                      </a:r>
+                      <a:r>
+                        <a:rPr lang="en-US" altLang="ko-KR" dirty="0" err="1"/>
+                        <a:t>learning_rate</a:t>
+                      </a:r>
+                      <a:r>
+                        <a:rPr lang="en-US" altLang="ko-KR" dirty="0"/>
+                        <a:t>': 0.04, '</a:t>
+                      </a:r>
+                      <a:r>
+                        <a:rPr lang="en-US" altLang="ko-KR" dirty="0" err="1"/>
+                        <a:t>min_child_samples</a:t>
+                      </a:r>
+                      <a:r>
+                        <a:rPr lang="en-US" altLang="ko-KR" dirty="0"/>
+                        <a:t>': 21, '</a:t>
+                      </a:r>
+                      <a:r>
+                        <a:rPr lang="en-US" altLang="ko-KR" dirty="0" err="1"/>
+                        <a:t>n_estimators</a:t>
+                      </a:r>
+                      <a:r>
+                        <a:rPr lang="en-US" altLang="ko-KR" dirty="0"/>
+                        <a:t>': 61</a:t>
+                      </a:r>
+                    </a:p>
+                    <a:p>
+                      <a:pPr latinLnBrk="1"/>
+                      <a:r>
+                        <a:rPr lang="en-US" altLang="ko-KR" dirty="0"/>
+                        <a:t>accuracy 0.7578898225957049</a:t>
+                      </a:r>
                       <a:endParaRPr lang="ko-KR" altLang="en-US" dirty="0"/>
                     </a:p>
                   </a:txBody>
@@ -6052,14 +6133,14 @@
           <p:nvPr>
             <p:extLst>
               <p:ext uri="{D42A27DB-BD31-4B8C-83A1-F6EECF244321}">
-                <p14:modId xmlns:p14="http://schemas.microsoft.com/office/powerpoint/2010/main" val="2971083615"/>
+                <p14:modId xmlns:p14="http://schemas.microsoft.com/office/powerpoint/2010/main" val="3697385347"/>
               </p:ext>
             </p:extLst>
           </p:nvPr>
         </p:nvGraphicFramePr>
         <p:xfrm>
           <a:off x="107038" y="5344980"/>
-          <a:ext cx="11285628" cy="1925320"/>
+          <a:ext cx="11285628" cy="3017520"/>
         </p:xfrm>
         <a:graphic>
           <a:graphicData uri="http://schemas.openxmlformats.org/drawingml/2006/table">
@@ -6149,8 +6230,8 @@
                     <a:p>
                       <a:pPr latinLnBrk="1"/>
                       <a:r>
-                        <a:rPr lang="en-US" altLang="ko-KR"/>
-                        <a:t>SVR</a:t>
+                        <a:rPr lang="en-US" altLang="ko-KR" dirty="0"/>
+                        <a:t>SVC</a:t>
                       </a:r>
                       <a:endParaRPr lang="ko-KR" altLang="en-US" dirty="0"/>
                     </a:p>
@@ -6238,6 +6319,14 @@
                     <a:lstStyle/>
                     <a:p>
                       <a:pPr latinLnBrk="1"/>
+                      <a:r>
+                        <a:rPr lang="en-US" altLang="ko-KR" dirty="0" err="1"/>
+                        <a:t>rmse</a:t>
+                      </a:r>
+                      <a:r>
+                        <a:rPr lang="en-US" altLang="ko-KR" dirty="0"/>
+                        <a:t>:  0.4852838236622139</a:t>
+                      </a:r>
                       <a:endParaRPr lang="ko-KR" altLang="en-US" dirty="0"/>
                     </a:p>
                   </a:txBody>
@@ -6248,27 +6337,33 @@
                     <a:bodyPr/>
                     <a:lstStyle/>
                     <a:p>
-                      <a:pPr latinLnBrk="1"/>
-                      <a:endParaRPr lang="ko-KR" altLang="en-US"/>
+                      <a:pPr marL="0" marR="0" lvl="0" indent="0" algn="l" defTabSz="914400" rtl="0" eaLnBrk="1" fontAlgn="auto" latinLnBrk="1" hangingPunct="1">
+                        <a:lnSpc>
+                          <a:spcPct val="100000"/>
+                        </a:lnSpc>
+                        <a:spcBef>
+                          <a:spcPts val="0"/>
+                        </a:spcBef>
+                        <a:spcAft>
+                          <a:spcPts val="0"/>
+                        </a:spcAft>
+                        <a:buClrTx/>
+                        <a:buSzTx/>
+                        <a:buFontTx/>
+                        <a:buNone/>
+                        <a:tabLst/>
+                        <a:defRPr/>
+                      </a:pPr>
+                      <a:r>
+                        <a:rPr lang="en-US" altLang="ko-KR" dirty="0" err="1"/>
+                        <a:t>rmse</a:t>
+                      </a:r>
+                      <a:r>
+                        <a:rPr lang="en-US" altLang="ko-KR" dirty="0"/>
+                        <a:t>:  0.4903277848687414</a:t>
+                      </a:r>
+                      <a:endParaRPr lang="ko-KR" altLang="en-US" dirty="0"/>
                     </a:p>
-                  </a:txBody>
-                  <a:tcPr/>
-                </a:tc>
-                <a:tc>
-                  <a:txBody>
-                    <a:bodyPr/>
-                    <a:lstStyle/>
-                    <a:p>
-                      <a:pPr latinLnBrk="1"/>
-                      <a:endParaRPr lang="ko-KR" altLang="en-US"/>
-                    </a:p>
-                  </a:txBody>
-                  <a:tcPr/>
-                </a:tc>
-                <a:tc>
-                  <a:txBody>
-                    <a:bodyPr/>
-                    <a:lstStyle/>
                     <a:p>
                       <a:pPr latinLnBrk="1"/>
                       <a:endParaRPr lang="ko-KR" altLang="en-US" dirty="0"/>
@@ -6282,6 +6377,52 @@
                     <a:lstStyle/>
                     <a:p>
                       <a:pPr latinLnBrk="1"/>
+                      <a:r>
+                        <a:rPr lang="en-US" altLang="ko-KR" dirty="0" err="1"/>
+                        <a:t>rmse</a:t>
+                      </a:r>
+                      <a:r>
+                        <a:rPr lang="en-US" altLang="ko-KR" dirty="0"/>
+                        <a:t>:  0.4970088988943114</a:t>
+                      </a:r>
+                      <a:endParaRPr lang="ko-KR" altLang="en-US" dirty="0"/>
+                    </a:p>
+                  </a:txBody>
+                  <a:tcPr/>
+                </a:tc>
+                <a:tc>
+                  <a:txBody>
+                    <a:bodyPr/>
+                    <a:lstStyle/>
+                    <a:p>
+                      <a:pPr latinLnBrk="1"/>
+                      <a:r>
+                        <a:rPr lang="en-US" altLang="ko-KR" dirty="0" err="1"/>
+                        <a:t>rmse</a:t>
+                      </a:r>
+                      <a:r>
+                        <a:rPr lang="en-US" altLang="ko-KR" dirty="0"/>
+                        <a:t>:  0.8644151664957789</a:t>
+                      </a:r>
+                      <a:endParaRPr lang="ko-KR" altLang="en-US" dirty="0"/>
+                    </a:p>
+                  </a:txBody>
+                  <a:tcPr/>
+                </a:tc>
+                <a:tc>
+                  <a:txBody>
+                    <a:bodyPr/>
+                    <a:lstStyle/>
+                    <a:p>
+                      <a:pPr latinLnBrk="1"/>
+                      <a:r>
+                        <a:rPr lang="en-US" altLang="ko-KR" dirty="0" err="1"/>
+                        <a:t>rmse</a:t>
+                      </a:r>
+                      <a:r>
+                        <a:rPr lang="en-US" altLang="ko-KR" dirty="0"/>
+                        <a:t>:  0.5251968495253386</a:t>
+                      </a:r>
                       <a:endParaRPr lang="ko-KR" altLang="en-US" dirty="0"/>
                     </a:p>
                   </a:txBody>
@@ -6354,6 +6495,14 @@
                     <a:lstStyle/>
                     <a:p>
                       <a:pPr latinLnBrk="1"/>
+                      <a:r>
+                        <a:rPr lang="en-US" altLang="ko-KR" dirty="0" err="1"/>
+                        <a:t>rmse</a:t>
+                      </a:r>
+                      <a:r>
+                        <a:rPr lang="en-US" altLang="ko-KR" dirty="0"/>
+                        <a:t>:  0.48558717303880766</a:t>
+                      </a:r>
                       <a:endParaRPr lang="ko-KR" altLang="en-US" dirty="0"/>
                     </a:p>
                   </a:txBody>
@@ -6363,6 +6512,34 @@
                   <a:txBody>
                     <a:bodyPr/>
                     <a:lstStyle/>
+                    <a:p>
+                      <a:pPr marL="0" marR="0" lvl="0" indent="0" algn="l" defTabSz="914400" rtl="0" eaLnBrk="1" fontAlgn="auto" latinLnBrk="1" hangingPunct="1">
+                        <a:lnSpc>
+                          <a:spcPct val="100000"/>
+                        </a:lnSpc>
+                        <a:spcBef>
+                          <a:spcPts val="0"/>
+                        </a:spcBef>
+                        <a:spcAft>
+                          <a:spcPts val="0"/>
+                        </a:spcAft>
+                        <a:buClrTx/>
+                        <a:buSzTx/>
+                        <a:buFontTx/>
+                        <a:buNone/>
+                        <a:tabLst/>
+                        <a:defRPr/>
+                      </a:pPr>
+                      <a:r>
+                        <a:rPr lang="en-US" altLang="ko-KR" dirty="0" err="1"/>
+                        <a:t>rmse</a:t>
+                      </a:r>
+                      <a:r>
+                        <a:rPr lang="en-US" altLang="ko-KR" dirty="0"/>
+                        <a:t>:  0.483397764363116</a:t>
+                      </a:r>
+                      <a:endParaRPr lang="ko-KR" altLang="en-US" dirty="0"/>
+                    </a:p>
                     <a:p>
                       <a:pPr latinLnBrk="1"/>
                       <a:endParaRPr lang="ko-KR" altLang="en-US" dirty="0"/>
@@ -6376,7 +6553,15 @@
                     <a:lstStyle/>
                     <a:p>
                       <a:pPr latinLnBrk="1"/>
-                      <a:endParaRPr lang="ko-KR" altLang="en-US"/>
+                      <a:r>
+                        <a:rPr lang="en-US" altLang="ko-KR" dirty="0" err="1"/>
+                        <a:t>rmse</a:t>
+                      </a:r>
+                      <a:r>
+                        <a:rPr lang="en-US" altLang="ko-KR" dirty="0"/>
+                        <a:t>:  0.4651652284677562</a:t>
+                      </a:r>
+                      <a:endParaRPr lang="ko-KR" altLang="en-US" dirty="0"/>
                     </a:p>
                   </a:txBody>
                   <a:tcPr/>
@@ -6387,6 +6572,14 @@
                     <a:lstStyle/>
                     <a:p>
                       <a:pPr latinLnBrk="1"/>
+                      <a:r>
+                        <a:rPr lang="en-US" altLang="ko-KR" dirty="0" err="1"/>
+                        <a:t>rmse</a:t>
+                      </a:r>
+                      <a:r>
+                        <a:rPr lang="en-US" altLang="ko-KR" dirty="0"/>
+                        <a:t>:  0.882312607082687</a:t>
+                      </a:r>
                       <a:endParaRPr lang="ko-KR" altLang="en-US" dirty="0"/>
                     </a:p>
                   </a:txBody>
@@ -6536,7 +6729,13 @@
           <p:cNvGraphicFramePr>
             <a:graphicFrameLocks noGrp="1"/>
           </p:cNvGraphicFramePr>
-          <p:nvPr/>
+          <p:nvPr>
+            <p:extLst>
+              <p:ext uri="{D42A27DB-BD31-4B8C-83A1-F6EECF244321}">
+                <p14:modId xmlns:p14="http://schemas.microsoft.com/office/powerpoint/2010/main" val="2303717638"/>
+              </p:ext>
+            </p:extLst>
+          </p:nvPr>
         </p:nvGraphicFramePr>
         <p:xfrm>
           <a:off x="810201" y="2093270"/>
@@ -6674,6 +6873,10 @@
                     <a:lstStyle/>
                     <a:p>
                       <a:pPr latinLnBrk="1"/>
+                      <a:r>
+                        <a:rPr lang="en-US" altLang="ko-KR" dirty="0" err="1"/>
+                        <a:t>predigree</a:t>
+                      </a:r>
                       <a:endParaRPr lang="ko-KR" altLang="en-US" dirty="0"/>
                     </a:p>
                   </a:txBody>
@@ -6685,7 +6888,11 @@
                     <a:lstStyle/>
                     <a:p>
                       <a:pPr latinLnBrk="1"/>
-                      <a:endParaRPr lang="ko-KR" altLang="en-US"/>
+                      <a:r>
+                        <a:rPr lang="en-US" altLang="ko-KR" dirty="0"/>
+                        <a:t>plasma</a:t>
+                      </a:r>
+                      <a:endParaRPr lang="ko-KR" altLang="en-US" dirty="0"/>
                     </a:p>
                   </a:txBody>
                   <a:tcPr/>
@@ -6696,6 +6903,10 @@
                     <a:lstStyle/>
                     <a:p>
                       <a:pPr latinLnBrk="1"/>
+                      <a:r>
+                        <a:rPr lang="en-US" altLang="ko-KR" dirty="0"/>
+                        <a:t>pedigree</a:t>
+                      </a:r>
                       <a:endParaRPr lang="ko-KR" altLang="en-US" dirty="0"/>
                     </a:p>
                   </a:txBody>
@@ -6737,6 +6948,10 @@
                     <a:lstStyle/>
                     <a:p>
                       <a:pPr latinLnBrk="1"/>
+                      <a:r>
+                        <a:rPr lang="en-US" altLang="ko-KR" dirty="0"/>
+                        <a:t>plasma</a:t>
+                      </a:r>
                       <a:endParaRPr lang="ko-KR" altLang="en-US" dirty="0"/>
                     </a:p>
                   </a:txBody>
@@ -6748,6 +6963,10 @@
                     <a:lstStyle/>
                     <a:p>
                       <a:pPr latinLnBrk="1"/>
+                      <a:r>
+                        <a:rPr lang="en-US" altLang="ko-KR" dirty="0" err="1"/>
+                        <a:t>bmi</a:t>
+                      </a:r>
                       <a:endParaRPr lang="ko-KR" altLang="en-US" dirty="0"/>
                     </a:p>
                   </a:txBody>
@@ -6759,6 +6978,10 @@
                     <a:lstStyle/>
                     <a:p>
                       <a:pPr latinLnBrk="1"/>
+                      <a:r>
+                        <a:rPr lang="en-US" altLang="ko-KR" dirty="0" err="1"/>
+                        <a:t>bmi</a:t>
+                      </a:r>
                       <a:endParaRPr lang="ko-KR" altLang="en-US" dirty="0"/>
                     </a:p>
                   </a:txBody>
@@ -6774,6 +6997,96 @@
           </a:graphicData>
         </a:graphic>
       </p:graphicFrame>
+      <p:pic>
+        <p:nvPicPr>
+          <p:cNvPr id="5" name="그림 4">
+            <a:extLst>
+              <a:ext uri="{FF2B5EF4-FFF2-40B4-BE49-F238E27FC236}">
+                <a16:creationId xmlns:a16="http://schemas.microsoft.com/office/drawing/2014/main" id="{B38DBFB8-5AE4-9D07-FD1B-47DD5E18BA3C}"/>
+              </a:ext>
+            </a:extLst>
+          </p:cNvPr>
+          <p:cNvPicPr>
+            <a:picLocks noChangeAspect="1"/>
+          </p:cNvPicPr>
+          <p:nvPr/>
+        </p:nvPicPr>
+        <p:blipFill>
+          <a:blip r:embed="rId2"/>
+          <a:stretch>
+            <a:fillRect/>
+          </a:stretch>
+        </p:blipFill>
+        <p:spPr>
+          <a:xfrm>
+            <a:off x="653935" y="3961013"/>
+            <a:ext cx="3402676" cy="2552007"/>
+          </a:xfrm>
+          <a:prstGeom prst="rect">
+            <a:avLst/>
+          </a:prstGeom>
+        </p:spPr>
+      </p:pic>
+      <p:pic>
+        <p:nvPicPr>
+          <p:cNvPr id="8" name="그림 7">
+            <a:extLst>
+              <a:ext uri="{FF2B5EF4-FFF2-40B4-BE49-F238E27FC236}">
+                <a16:creationId xmlns:a16="http://schemas.microsoft.com/office/drawing/2014/main" id="{2E1FB2DC-59CA-A3C9-BE52-477BF2B8A62C}"/>
+              </a:ext>
+            </a:extLst>
+          </p:cNvPr>
+          <p:cNvPicPr>
+            <a:picLocks noChangeAspect="1"/>
+          </p:cNvPicPr>
+          <p:nvPr/>
+        </p:nvPicPr>
+        <p:blipFill>
+          <a:blip r:embed="rId3"/>
+          <a:stretch>
+            <a:fillRect/>
+          </a:stretch>
+        </p:blipFill>
+        <p:spPr>
+          <a:xfrm>
+            <a:off x="4056611" y="4107914"/>
+            <a:ext cx="3010939" cy="2258204"/>
+          </a:xfrm>
+          <a:prstGeom prst="rect">
+            <a:avLst/>
+          </a:prstGeom>
+        </p:spPr>
+      </p:pic>
+      <p:pic>
+        <p:nvPicPr>
+          <p:cNvPr id="10" name="그림 9">
+            <a:extLst>
+              <a:ext uri="{FF2B5EF4-FFF2-40B4-BE49-F238E27FC236}">
+                <a16:creationId xmlns:a16="http://schemas.microsoft.com/office/drawing/2014/main" id="{221E7DAF-05FF-EB0C-BB9F-2489C1304E43}"/>
+              </a:ext>
+            </a:extLst>
+          </p:cNvPr>
+          <p:cNvPicPr>
+            <a:picLocks noChangeAspect="1"/>
+          </p:cNvPicPr>
+          <p:nvPr/>
+        </p:nvPicPr>
+        <p:blipFill>
+          <a:blip r:embed="rId2"/>
+          <a:stretch>
+            <a:fillRect/>
+          </a:stretch>
+        </p:blipFill>
+        <p:spPr>
+          <a:xfrm>
+            <a:off x="7572375" y="3814110"/>
+            <a:ext cx="3402677" cy="2552008"/>
+          </a:xfrm>
+          <a:prstGeom prst="rect">
+            <a:avLst/>
+          </a:prstGeom>
+        </p:spPr>
+      </p:pic>
     </p:spTree>
     <p:extLst>
       <p:ext uri="{BB962C8B-B14F-4D97-AF65-F5344CB8AC3E}">
@@ -7485,12 +7798,6 @@
 </file>
 
 <file path=customXml/item2.xml><?xml version="1.0" encoding="utf-8"?>
-<p:properties xmlns:p="http://schemas.microsoft.com/office/2006/metadata/properties" xmlns:xsi="http://www.w3.org/2001/XMLSchema-instance" xmlns:pc="http://schemas.microsoft.com/office/infopath/2007/PartnerControls">
-  <documentManagement/>
-</p:properties>
-</file>
-
-<file path=customXml/item3.xml><?xml version="1.0" encoding="utf-8"?>
 <ct:contentTypeSchema xmlns:ct="http://schemas.microsoft.com/office/2006/metadata/contentType" xmlns:ma="http://schemas.microsoft.com/office/2006/metadata/properties/metaAttributes" ct:_="" ma:_="" ma:contentTypeName="문서" ma:contentTypeID="0x010100A30DF9F47E88B047A0695E9C3DC9F515" ma:contentTypeVersion="0" ma:contentTypeDescription="새 문서를 만듭니다." ma:contentTypeScope="" ma:versionID="47b515163c9168915aada08129117832">
   <xsd:schema xmlns:xsd="http://www.w3.org/2001/XMLSchema" xmlns:xs="http://www.w3.org/2001/XMLSchema" xmlns:p="http://schemas.microsoft.com/office/2006/metadata/properties" targetNamespace="http://schemas.microsoft.com/office/2006/metadata/properties" ma:root="true" ma:fieldsID="98509c16e2068e4d5d0612c501c19757">
     <xsd:element name="properties">
@@ -7604,6 +7911,12 @@
 </ct:contentTypeSchema>
 </file>
 
+<file path=customXml/item3.xml><?xml version="1.0" encoding="utf-8"?>
+<p:properties xmlns:p="http://schemas.microsoft.com/office/2006/metadata/properties" xmlns:xsi="http://www.w3.org/2001/XMLSchema-instance" xmlns:pc="http://schemas.microsoft.com/office/infopath/2007/PartnerControls">
+  <documentManagement/>
+</p:properties>
+</file>
+
 <file path=customXml/itemProps1.xml><?xml version="1.0" encoding="utf-8"?>
 <ds:datastoreItem xmlns:ds="http://schemas.openxmlformats.org/officeDocument/2006/customXml" ds:itemID="{DD0C208C-AED1-4440-9261-53183403D2B4}">
   <ds:schemaRefs>
@@ -7613,21 +7926,6 @@
 </file>
 
 <file path=customXml/itemProps2.xml><?xml version="1.0" encoding="utf-8"?>
-<ds:datastoreItem xmlns:ds="http://schemas.openxmlformats.org/officeDocument/2006/customXml" ds:itemID="{BDD8169E-24A0-4D43-A686-0BE92F93E254}">
-  <ds:schemaRefs>
-    <ds:schemaRef ds:uri="http://schemas.openxmlformats.org/package/2006/metadata/core-properties"/>
-    <ds:schemaRef ds:uri="http://www.w3.org/XML/1998/namespace"/>
-    <ds:schemaRef ds:uri="http://schemas.microsoft.com/office/infopath/2007/PartnerControls"/>
-    <ds:schemaRef ds:uri="http://purl.org/dc/terms/"/>
-    <ds:schemaRef ds:uri="http://purl.org/dc/dcmitype/"/>
-    <ds:schemaRef ds:uri="http://schemas.microsoft.com/office/2006/documentManagement/types"/>
-    <ds:schemaRef ds:uri="http://schemas.microsoft.com/office/2006/metadata/properties"/>
-    <ds:schemaRef ds:uri="http://purl.org/dc/elements/1.1/"/>
-  </ds:schemaRefs>
-</ds:datastoreItem>
-</file>
-
-<file path=customXml/itemProps3.xml><?xml version="1.0" encoding="utf-8"?>
 <ds:datastoreItem xmlns:ds="http://schemas.openxmlformats.org/officeDocument/2006/customXml" ds:itemID="{F562EBFE-E179-4536-9B4A-59F3E0187A3A}">
   <ds:schemaRefs>
     <ds:schemaRef ds:uri="http://schemas.microsoft.com/office/2006/metadata/contentType"/>
@@ -7641,4 +7939,19 @@
     <ds:schemaRef ds:uri="http://schemas.microsoft.com/office/infopath/2007/PartnerControls"/>
   </ds:schemaRefs>
 </ds:datastoreItem>
+</file>
+
+<file path=customXml/itemProps3.xml><?xml version="1.0" encoding="utf-8"?>
+<ds:datastoreItem xmlns:ds="http://schemas.openxmlformats.org/officeDocument/2006/customXml" ds:itemID="{BDD8169E-24A0-4D43-A686-0BE92F93E254}">
+  <ds:schemaRefs>
+    <ds:schemaRef ds:uri="http://schemas.openxmlformats.org/package/2006/metadata/core-properties"/>
+    <ds:schemaRef ds:uri="http://www.w3.org/XML/1998/namespace"/>
+    <ds:schemaRef ds:uri="http://schemas.microsoft.com/office/infopath/2007/PartnerControls"/>
+    <ds:schemaRef ds:uri="http://purl.org/dc/terms/"/>
+    <ds:schemaRef ds:uri="http://purl.org/dc/dcmitype/"/>
+    <ds:schemaRef ds:uri="http://schemas.microsoft.com/office/2006/documentManagement/types"/>
+    <ds:schemaRef ds:uri="http://schemas.microsoft.com/office/2006/metadata/properties"/>
+    <ds:schemaRef ds:uri="http://purl.org/dc/elements/1.1/"/>
+  </ds:schemaRefs>
+</ds:datastoreItem>
 </file>